--- a/Presentations/Presentation06.pptx
+++ b/Presentations/Presentation06.pptx
@@ -9673,13 +9673,14 @@
               <a:t> (API adapter), </a:t>
             </a:r>
             <a:r>
-              <a:rPr lang="cs-CZ" i="1" dirty="0" err="1"/>
-              <a:t>Statrup</a:t>
-            </a:r>
-            <a:r>
-              <a:rPr lang="cs-CZ" dirty="0"/>
+              <a:rPr lang="en-US" i="1"/>
+              <a:t>Startup</a:t>
+            </a:r>
+            <a:r>
+              <a:rPr lang="cs-CZ"/>
               <a:t>…</a:t>
             </a:r>
+            <a:endParaRPr lang="cs-CZ" dirty="0"/>
           </a:p>
           <a:p>
             <a:pPr lvl="1">
@@ -11722,12 +11723,11 @@
 </file>
 
 <file path=customXml/item1.xml><?xml version="1.0" encoding="utf-8"?>
-<?mso-contentType ?>
-<FormTemplates xmlns="http://schemas.microsoft.com/sharepoint/v3/contenttype/forms">
-  <Display>DocumentLibraryForm</Display>
-  <Edit>DocumentLibraryForm</Edit>
-  <New>DocumentLibraryForm</New>
-</FormTemplates>
+<p:properties xmlns:p="http://schemas.microsoft.com/office/2006/metadata/properties" xmlns:xsi="http://www.w3.org/2001/XMLSchema-instance" xmlns:pc="http://schemas.microsoft.com/office/infopath/2007/PartnerControls">
+  <documentManagement>
+    <_activity xmlns="c8f3fc2c-a3ba-4a56-b225-dd01e3cef7b1" xsi:nil="true"/>
+  </documentManagement>
+</p:properties>
 </file>
 
 <file path=customXml/item2.xml><?xml version="1.0" encoding="utf-8"?>
@@ -11978,17 +11978,27 @@
 </file>
 
 <file path=customXml/item3.xml><?xml version="1.0" encoding="utf-8"?>
-<p:properties xmlns:p="http://schemas.microsoft.com/office/2006/metadata/properties" xmlns:xsi="http://www.w3.org/2001/XMLSchema-instance" xmlns:pc="http://schemas.microsoft.com/office/infopath/2007/PartnerControls">
-  <documentManagement>
-    <_activity xmlns="c8f3fc2c-a3ba-4a56-b225-dd01e3cef7b1" xsi:nil="true"/>
-  </documentManagement>
-</p:properties>
+<?mso-contentType ?>
+<FormTemplates xmlns="http://schemas.microsoft.com/sharepoint/v3/contenttype/forms">
+  <Display>DocumentLibraryForm</Display>
+  <Edit>DocumentLibraryForm</Edit>
+  <New>DocumentLibraryForm</New>
+</FormTemplates>
 </file>
 
 <file path=customXml/itemProps1.xml><?xml version="1.0" encoding="utf-8"?>
-<ds:datastoreItem xmlns:ds="http://schemas.openxmlformats.org/officeDocument/2006/customXml" ds:itemID="{DD470258-C907-4A62-B6C3-E0C32F10A7DD}">
+<ds:datastoreItem xmlns:ds="http://schemas.openxmlformats.org/officeDocument/2006/customXml" ds:itemID="{E6352A82-6F1D-4C88-8599-6115178EC008}">
   <ds:schemaRefs>
-    <ds:schemaRef ds:uri="http://schemas.microsoft.com/sharepoint/v3/contenttype/forms"/>
+    <ds:schemaRef ds:uri="http://schemas.microsoft.com/office/infopath/2007/PartnerControls"/>
+    <ds:schemaRef ds:uri="http://purl.org/dc/terms/"/>
+    <ds:schemaRef ds:uri="http://www.w3.org/XML/1998/namespace"/>
+    <ds:schemaRef ds:uri="1b03cdca-bcb3-481d-aaaa-ac59088b2c30"/>
+    <ds:schemaRef ds:uri="http://schemas.microsoft.com/office/2006/documentManagement/types"/>
+    <ds:schemaRef ds:uri="http://schemas.microsoft.com/office/2006/metadata/properties"/>
+    <ds:schemaRef ds:uri="http://purl.org/dc/elements/1.1/"/>
+    <ds:schemaRef ds:uri="http://purl.org/dc/dcmitype/"/>
+    <ds:schemaRef ds:uri="http://schemas.openxmlformats.org/package/2006/metadata/core-properties"/>
+    <ds:schemaRef ds:uri="c8f3fc2c-a3ba-4a56-b225-dd01e3cef7b1"/>
   </ds:schemaRefs>
 </ds:datastoreItem>
 </file>
@@ -12013,18 +12023,9 @@
 </file>
 
 <file path=customXml/itemProps3.xml><?xml version="1.0" encoding="utf-8"?>
-<ds:datastoreItem xmlns:ds="http://schemas.openxmlformats.org/officeDocument/2006/customXml" ds:itemID="{E6352A82-6F1D-4C88-8599-6115178EC008}">
+<ds:datastoreItem xmlns:ds="http://schemas.openxmlformats.org/officeDocument/2006/customXml" ds:itemID="{DD470258-C907-4A62-B6C3-E0C32F10A7DD}">
   <ds:schemaRefs>
-    <ds:schemaRef ds:uri="http://schemas.microsoft.com/office/infopath/2007/PartnerControls"/>
-    <ds:schemaRef ds:uri="http://purl.org/dc/terms/"/>
-    <ds:schemaRef ds:uri="http://www.w3.org/XML/1998/namespace"/>
-    <ds:schemaRef ds:uri="1b03cdca-bcb3-481d-aaaa-ac59088b2c30"/>
-    <ds:schemaRef ds:uri="http://schemas.microsoft.com/office/2006/documentManagement/types"/>
-    <ds:schemaRef ds:uri="http://schemas.microsoft.com/office/2006/metadata/properties"/>
-    <ds:schemaRef ds:uri="http://purl.org/dc/elements/1.1/"/>
-    <ds:schemaRef ds:uri="http://purl.org/dc/dcmitype/"/>
-    <ds:schemaRef ds:uri="http://schemas.openxmlformats.org/package/2006/metadata/core-properties"/>
-    <ds:schemaRef ds:uri="c8f3fc2c-a3ba-4a56-b225-dd01e3cef7b1"/>
+    <ds:schemaRef ds:uri="http://schemas.microsoft.com/sharepoint/v3/contenttype/forms"/>
   </ds:schemaRefs>
 </ds:datastoreItem>
 </file>